--- a/presentation/聊一聊SpringMVC原理？/聊一聊SpringMVC原理？.pptx
+++ b/presentation/聊一聊SpringMVC原理？/聊一聊SpringMVC原理？.pptx
@@ -5,14 +5,15 @@
     <p:sldMasterId id="2147483648" r:id="rId1"/>
   </p:sldMasterIdLst>
   <p:notesMasterIdLst>
-    <p:notesMasterId r:id="rId7"/>
+    <p:notesMasterId r:id="rId8"/>
   </p:notesMasterIdLst>
   <p:sldIdLst>
     <p:sldId id="256" r:id="rId2"/>
-    <p:sldId id="292" r:id="rId3"/>
-    <p:sldId id="286" r:id="rId4"/>
-    <p:sldId id="293" r:id="rId5"/>
-    <p:sldId id="294" r:id="rId6"/>
+    <p:sldId id="286" r:id="rId3"/>
+    <p:sldId id="287" r:id="rId4"/>
+    <p:sldId id="288" r:id="rId5"/>
+    <p:sldId id="289" r:id="rId6"/>
+    <p:sldId id="290" r:id="rId7"/>
   </p:sldIdLst>
   <p:sldSz cx="9144000" cy="5143500" type="screen16x9"/>
   <p:notesSz cx="6858000" cy="9144000"/>
@@ -212,7 +213,7 @@
           <a:p>
             <a:fld id="{D2A48B96-639E-45A3-A0BA-2464DFDB1FAA}" type="datetimeFigureOut">
               <a:rPr lang="zh-CN" altLang="en-US" smtClean="0"/>
-              <a:t>2024-03-21</a:t>
+              <a:t>2024-03-22</a:t>
             </a:fld>
             <a:endParaRPr lang="zh-CN" altLang="en-US"/>
           </a:p>
@@ -544,7 +545,7 @@
           <a:p>
             <a:fld id="{A6837353-30EB-4A48-80EB-173D804AEFBD}" type="slidenum">
               <a:rPr lang="zh-CN" altLang="en-US" smtClean="0"/>
-              <a:t>3</a:t>
+              <a:t>2</a:t>
             </a:fld>
             <a:endParaRPr lang="zh-CN" altLang="en-US"/>
           </a:p>
@@ -628,7 +629,7 @@
           <a:p>
             <a:fld id="{A6837353-30EB-4A48-80EB-173D804AEFBD}" type="slidenum">
               <a:rPr lang="zh-CN" altLang="en-US" smtClean="0"/>
-              <a:t>4</a:t>
+              <a:t>3</a:t>
             </a:fld>
             <a:endParaRPr lang="zh-CN" altLang="en-US"/>
           </a:p>
@@ -637,7 +638,7 @@
     </p:spTree>
     <p:extLst>
       <p:ext uri="{BB962C8B-B14F-4D97-AF65-F5344CB8AC3E}">
-        <p14:creationId xmlns:p14="http://schemas.microsoft.com/office/powerpoint/2010/main" val="1038225711"/>
+        <p14:creationId xmlns:p14="http://schemas.microsoft.com/office/powerpoint/2010/main" val="2951048546"/>
       </p:ext>
     </p:extLst>
   </p:cSld>
@@ -712,6 +713,90 @@
           <a:p>
             <a:fld id="{A6837353-30EB-4A48-80EB-173D804AEFBD}" type="slidenum">
               <a:rPr lang="zh-CN" altLang="en-US" smtClean="0"/>
+              <a:t>4</a:t>
+            </a:fld>
+            <a:endParaRPr lang="zh-CN" altLang="en-US"/>
+          </a:p>
+        </p:txBody>
+      </p:sp>
+    </p:spTree>
+    <p:extLst>
+      <p:ext uri="{BB962C8B-B14F-4D97-AF65-F5344CB8AC3E}">
+        <p14:creationId xmlns:p14="http://schemas.microsoft.com/office/powerpoint/2010/main" val="3647027088"/>
+      </p:ext>
+    </p:extLst>
+  </p:cSld>
+  <p:clrMapOvr>
+    <a:masterClrMapping/>
+  </p:clrMapOvr>
+</p:notes>
+</file>
+
+<file path=ppt/notesSlides/notesSlide4.xml><?xml version="1.0" encoding="utf-8"?>
+<p:notes xmlns:a="http://schemas.openxmlformats.org/drawingml/2006/main" xmlns:r="http://schemas.openxmlformats.org/officeDocument/2006/relationships" xmlns:p="http://schemas.openxmlformats.org/presentationml/2006/main">
+  <p:cSld>
+    <p:spTree>
+      <p:nvGrpSpPr>
+        <p:cNvPr id="1" name=""/>
+        <p:cNvGrpSpPr/>
+        <p:nvPr/>
+      </p:nvGrpSpPr>
+      <p:grpSpPr>
+        <a:xfrm>
+          <a:off x="0" y="0"/>
+          <a:ext cx="0" cy="0"/>
+          <a:chOff x="0" y="0"/>
+          <a:chExt cx="0" cy="0"/>
+        </a:xfrm>
+      </p:grpSpPr>
+      <p:sp>
+        <p:nvSpPr>
+          <p:cNvPr id="2" name="幻灯片图像占位符 1"/>
+          <p:cNvSpPr>
+            <a:spLocks noGrp="1" noRot="1" noChangeAspect="1"/>
+          </p:cNvSpPr>
+          <p:nvPr>
+            <p:ph type="sldImg"/>
+          </p:nvPr>
+        </p:nvSpPr>
+        <p:spPr/>
+      </p:sp>
+      <p:sp>
+        <p:nvSpPr>
+          <p:cNvPr id="3" name="备注占位符 2"/>
+          <p:cNvSpPr>
+            <a:spLocks noGrp="1"/>
+          </p:cNvSpPr>
+          <p:nvPr>
+            <p:ph type="body" idx="1"/>
+          </p:nvPr>
+        </p:nvSpPr>
+        <p:spPr/>
+        <p:txBody>
+          <a:bodyPr/>
+          <a:lstStyle/>
+          <a:p>
+            <a:endParaRPr lang="zh-CN" altLang="en-US" dirty="0"/>
+          </a:p>
+        </p:txBody>
+      </p:sp>
+      <p:sp>
+        <p:nvSpPr>
+          <p:cNvPr id="4" name="灯片编号占位符 3"/>
+          <p:cNvSpPr>
+            <a:spLocks noGrp="1"/>
+          </p:cNvSpPr>
+          <p:nvPr>
+            <p:ph type="sldNum" sz="quarter" idx="5"/>
+          </p:nvPr>
+        </p:nvSpPr>
+        <p:spPr/>
+        <p:txBody>
+          <a:bodyPr/>
+          <a:lstStyle/>
+          <a:p>
+            <a:fld id="{A6837353-30EB-4A48-80EB-173D804AEFBD}" type="slidenum">
+              <a:rPr lang="zh-CN" altLang="en-US" smtClean="0"/>
               <a:t>5</a:t>
             </a:fld>
             <a:endParaRPr lang="zh-CN" altLang="en-US"/>
@@ -721,7 +806,91 @@
     </p:spTree>
     <p:extLst>
       <p:ext uri="{BB962C8B-B14F-4D97-AF65-F5344CB8AC3E}">
-        <p14:creationId xmlns:p14="http://schemas.microsoft.com/office/powerpoint/2010/main" val="628343976"/>
+        <p14:creationId xmlns:p14="http://schemas.microsoft.com/office/powerpoint/2010/main" val="3841434129"/>
+      </p:ext>
+    </p:extLst>
+  </p:cSld>
+  <p:clrMapOvr>
+    <a:masterClrMapping/>
+  </p:clrMapOvr>
+</p:notes>
+</file>
+
+<file path=ppt/notesSlides/notesSlide5.xml><?xml version="1.0" encoding="utf-8"?>
+<p:notes xmlns:a="http://schemas.openxmlformats.org/drawingml/2006/main" xmlns:r="http://schemas.openxmlformats.org/officeDocument/2006/relationships" xmlns:p="http://schemas.openxmlformats.org/presentationml/2006/main">
+  <p:cSld>
+    <p:spTree>
+      <p:nvGrpSpPr>
+        <p:cNvPr id="1" name=""/>
+        <p:cNvGrpSpPr/>
+        <p:nvPr/>
+      </p:nvGrpSpPr>
+      <p:grpSpPr>
+        <a:xfrm>
+          <a:off x="0" y="0"/>
+          <a:ext cx="0" cy="0"/>
+          <a:chOff x="0" y="0"/>
+          <a:chExt cx="0" cy="0"/>
+        </a:xfrm>
+      </p:grpSpPr>
+      <p:sp>
+        <p:nvSpPr>
+          <p:cNvPr id="2" name="幻灯片图像占位符 1"/>
+          <p:cNvSpPr>
+            <a:spLocks noGrp="1" noRot="1" noChangeAspect="1"/>
+          </p:cNvSpPr>
+          <p:nvPr>
+            <p:ph type="sldImg"/>
+          </p:nvPr>
+        </p:nvSpPr>
+        <p:spPr/>
+      </p:sp>
+      <p:sp>
+        <p:nvSpPr>
+          <p:cNvPr id="3" name="备注占位符 2"/>
+          <p:cNvSpPr>
+            <a:spLocks noGrp="1"/>
+          </p:cNvSpPr>
+          <p:nvPr>
+            <p:ph type="body" idx="1"/>
+          </p:nvPr>
+        </p:nvSpPr>
+        <p:spPr/>
+        <p:txBody>
+          <a:bodyPr/>
+          <a:lstStyle/>
+          <a:p>
+            <a:endParaRPr lang="zh-CN" altLang="en-US" dirty="0"/>
+          </a:p>
+        </p:txBody>
+      </p:sp>
+      <p:sp>
+        <p:nvSpPr>
+          <p:cNvPr id="4" name="灯片编号占位符 3"/>
+          <p:cNvSpPr>
+            <a:spLocks noGrp="1"/>
+          </p:cNvSpPr>
+          <p:nvPr>
+            <p:ph type="sldNum" sz="quarter" idx="5"/>
+          </p:nvPr>
+        </p:nvSpPr>
+        <p:spPr/>
+        <p:txBody>
+          <a:bodyPr/>
+          <a:lstStyle/>
+          <a:p>
+            <a:fld id="{A6837353-30EB-4A48-80EB-173D804AEFBD}" type="slidenum">
+              <a:rPr lang="zh-CN" altLang="en-US" smtClean="0"/>
+              <a:t>6</a:t>
+            </a:fld>
+            <a:endParaRPr lang="zh-CN" altLang="en-US"/>
+          </a:p>
+        </p:txBody>
+      </p:sp>
+    </p:spTree>
+    <p:extLst>
+      <p:ext uri="{BB962C8B-B14F-4D97-AF65-F5344CB8AC3E}">
+        <p14:creationId xmlns:p14="http://schemas.microsoft.com/office/powerpoint/2010/main" val="203862116"/>
       </p:ext>
     </p:extLst>
   </p:cSld>
@@ -775,7 +944,7 @@
           <a:p>
             <a:fld id="{8035C5D1-AD16-4B01-871F-DE047A6CFB67}" type="datetimeFigureOut">
               <a:rPr lang="zh-CN" altLang="en-US" smtClean="0"/>
-              <a:t>2024-03-21</a:t>
+              <a:t>2024-03-22</a:t>
             </a:fld>
             <a:endParaRPr lang="zh-CN" altLang="en-US"/>
           </a:p>
@@ -887,7 +1056,7 @@
           <a:p>
             <a:fld id="{8035C5D1-AD16-4B01-871F-DE047A6CFB67}" type="datetimeFigureOut">
               <a:rPr lang="zh-CN" altLang="en-US" smtClean="0"/>
-              <a:t>2024-03-21</a:t>
+              <a:t>2024-03-22</a:t>
             </a:fld>
             <a:endParaRPr lang="zh-CN" altLang="en-US"/>
           </a:p>
@@ -1004,7 +1173,7 @@
           <a:p>
             <a:fld id="{8035C5D1-AD16-4B01-871F-DE047A6CFB67}" type="datetimeFigureOut">
               <a:rPr lang="zh-CN" altLang="en-US" smtClean="0"/>
-              <a:t>2024-03-21</a:t>
+              <a:t>2024-03-22</a:t>
             </a:fld>
             <a:endParaRPr lang="zh-CN" altLang="en-US"/>
           </a:p>
@@ -1121,7 +1290,7 @@
           <a:p>
             <a:fld id="{8035C5D1-AD16-4B01-871F-DE047A6CFB67}" type="datetimeFigureOut">
               <a:rPr lang="zh-CN" altLang="en-US" smtClean="0"/>
-              <a:t>2024-03-21</a:t>
+              <a:t>2024-03-22</a:t>
             </a:fld>
             <a:endParaRPr lang="zh-CN" altLang="en-US"/>
           </a:p>
@@ -1238,7 +1407,7 @@
           <a:p>
             <a:fld id="{8035C5D1-AD16-4B01-871F-DE047A6CFB67}" type="datetimeFigureOut">
               <a:rPr lang="zh-CN" altLang="en-US" smtClean="0"/>
-              <a:t>2024-03-21</a:t>
+              <a:t>2024-03-22</a:t>
             </a:fld>
             <a:endParaRPr lang="zh-CN" altLang="en-US"/>
           </a:p>
@@ -1355,7 +1524,7 @@
           <a:p>
             <a:fld id="{8035C5D1-AD16-4B01-871F-DE047A6CFB67}" type="datetimeFigureOut">
               <a:rPr lang="zh-CN" altLang="en-US" smtClean="0"/>
-              <a:t>2024-03-21</a:t>
+              <a:t>2024-03-22</a:t>
             </a:fld>
             <a:endParaRPr lang="zh-CN" altLang="en-US"/>
           </a:p>
@@ -1472,7 +1641,7 @@
           <a:p>
             <a:fld id="{8035C5D1-AD16-4B01-871F-DE047A6CFB67}" type="datetimeFigureOut">
               <a:rPr lang="zh-CN" altLang="en-US" smtClean="0"/>
-              <a:t>2024-03-21</a:t>
+              <a:t>2024-03-22</a:t>
             </a:fld>
             <a:endParaRPr lang="zh-CN" altLang="en-US"/>
           </a:p>
@@ -2604,7 +2773,7 @@
           <a:p>
             <a:fld id="{8035C5D1-AD16-4B01-871F-DE047A6CFB67}" type="datetimeFigureOut">
               <a:rPr lang="zh-CN" altLang="en-US" smtClean="0"/>
-              <a:t>2024-03-21</a:t>
+              <a:t>2024-03-22</a:t>
             </a:fld>
             <a:endParaRPr lang="zh-CN" altLang="en-US"/>
           </a:p>
@@ -3066,562 +3235,6 @@
           <a:chExt cx="0" cy="0"/>
         </a:xfrm>
       </p:grpSpPr>
-      <p:grpSp>
-        <p:nvGrpSpPr>
-          <p:cNvPr id="21" name="组合 20"/>
-          <p:cNvGrpSpPr/>
-          <p:nvPr/>
-        </p:nvGrpSpPr>
-        <p:grpSpPr>
-          <a:xfrm>
-            <a:off x="3294112" y="1125349"/>
-            <a:ext cx="2555776" cy="47429"/>
-            <a:chOff x="2190216" y="0"/>
-            <a:chExt cx="4752528" cy="108012"/>
-          </a:xfrm>
-        </p:grpSpPr>
-        <p:sp>
-          <p:nvSpPr>
-            <p:cNvPr id="4" name="矩形 3"/>
-            <p:cNvSpPr/>
-            <p:nvPr/>
-          </p:nvSpPr>
-          <p:spPr>
-            <a:xfrm>
-              <a:off x="2190216" y="0"/>
-              <a:ext cx="1188132" cy="108012"/>
-            </a:xfrm>
-            <a:prstGeom prst="rect">
-              <a:avLst/>
-            </a:prstGeom>
-            <a:solidFill>
-              <a:schemeClr val="accent1"/>
-            </a:solidFill>
-            <a:ln>
-              <a:noFill/>
-            </a:ln>
-          </p:spPr>
-          <p:style>
-            <a:lnRef idx="2">
-              <a:schemeClr val="accent1">
-                <a:shade val="50000"/>
-              </a:schemeClr>
-            </a:lnRef>
-            <a:fillRef idx="1">
-              <a:schemeClr val="accent1"/>
-            </a:fillRef>
-            <a:effectRef idx="0">
-              <a:schemeClr val="accent1"/>
-            </a:effectRef>
-            <a:fontRef idx="minor">
-              <a:schemeClr val="lt1"/>
-            </a:fontRef>
-          </p:style>
-          <p:txBody>
-            <a:bodyPr rtlCol="0" anchor="ctr"/>
-            <a:lstStyle/>
-            <a:p>
-              <a:pPr algn="ctr"/>
-              <a:endParaRPr lang="zh-CN" altLang="en-US"/>
-            </a:p>
-          </p:txBody>
-        </p:sp>
-        <p:sp>
-          <p:nvSpPr>
-            <p:cNvPr id="5" name="矩形 4"/>
-            <p:cNvSpPr/>
-            <p:nvPr/>
-          </p:nvSpPr>
-          <p:spPr>
-            <a:xfrm>
-              <a:off x="3378348" y="0"/>
-              <a:ext cx="1188132" cy="108012"/>
-            </a:xfrm>
-            <a:prstGeom prst="rect">
-              <a:avLst/>
-            </a:prstGeom>
-            <a:solidFill>
-              <a:schemeClr val="accent2"/>
-            </a:solidFill>
-            <a:ln>
-              <a:noFill/>
-            </a:ln>
-          </p:spPr>
-          <p:style>
-            <a:lnRef idx="2">
-              <a:schemeClr val="accent1">
-                <a:shade val="50000"/>
-              </a:schemeClr>
-            </a:lnRef>
-            <a:fillRef idx="1">
-              <a:schemeClr val="accent1"/>
-            </a:fillRef>
-            <a:effectRef idx="0">
-              <a:schemeClr val="accent1"/>
-            </a:effectRef>
-            <a:fontRef idx="minor">
-              <a:schemeClr val="lt1"/>
-            </a:fontRef>
-          </p:style>
-          <p:txBody>
-            <a:bodyPr rtlCol="0" anchor="ctr"/>
-            <a:lstStyle/>
-            <a:p>
-              <a:pPr algn="ctr"/>
-              <a:endParaRPr lang="zh-CN" altLang="en-US"/>
-            </a:p>
-          </p:txBody>
-        </p:sp>
-        <p:sp>
-          <p:nvSpPr>
-            <p:cNvPr id="6" name="矩形 5"/>
-            <p:cNvSpPr/>
-            <p:nvPr/>
-          </p:nvSpPr>
-          <p:spPr>
-            <a:xfrm>
-              <a:off x="4566480" y="0"/>
-              <a:ext cx="1188132" cy="108012"/>
-            </a:xfrm>
-            <a:prstGeom prst="rect">
-              <a:avLst/>
-            </a:prstGeom>
-            <a:solidFill>
-              <a:schemeClr val="accent3"/>
-            </a:solidFill>
-            <a:ln>
-              <a:noFill/>
-            </a:ln>
-          </p:spPr>
-          <p:style>
-            <a:lnRef idx="2">
-              <a:schemeClr val="accent1">
-                <a:shade val="50000"/>
-              </a:schemeClr>
-            </a:lnRef>
-            <a:fillRef idx="1">
-              <a:schemeClr val="accent1"/>
-            </a:fillRef>
-            <a:effectRef idx="0">
-              <a:schemeClr val="accent1"/>
-            </a:effectRef>
-            <a:fontRef idx="minor">
-              <a:schemeClr val="lt1"/>
-            </a:fontRef>
-          </p:style>
-          <p:txBody>
-            <a:bodyPr rtlCol="0" anchor="ctr"/>
-            <a:lstStyle/>
-            <a:p>
-              <a:pPr algn="ctr"/>
-              <a:endParaRPr lang="zh-CN" altLang="en-US"/>
-            </a:p>
-          </p:txBody>
-        </p:sp>
-        <p:sp>
-          <p:nvSpPr>
-            <p:cNvPr id="7" name="矩形 6"/>
-            <p:cNvSpPr/>
-            <p:nvPr/>
-          </p:nvSpPr>
-          <p:spPr>
-            <a:xfrm>
-              <a:off x="5754612" y="0"/>
-              <a:ext cx="1188132" cy="108012"/>
-            </a:xfrm>
-            <a:prstGeom prst="rect">
-              <a:avLst/>
-            </a:prstGeom>
-            <a:solidFill>
-              <a:schemeClr val="accent4"/>
-            </a:solidFill>
-            <a:ln>
-              <a:noFill/>
-            </a:ln>
-          </p:spPr>
-          <p:style>
-            <a:lnRef idx="2">
-              <a:schemeClr val="accent1">
-                <a:shade val="50000"/>
-              </a:schemeClr>
-            </a:lnRef>
-            <a:fillRef idx="1">
-              <a:schemeClr val="accent1"/>
-            </a:fillRef>
-            <a:effectRef idx="0">
-              <a:schemeClr val="accent1"/>
-            </a:effectRef>
-            <a:fontRef idx="minor">
-              <a:schemeClr val="lt1"/>
-            </a:fontRef>
-          </p:style>
-          <p:txBody>
-            <a:bodyPr rtlCol="0" anchor="ctr"/>
-            <a:lstStyle/>
-            <a:p>
-              <a:pPr algn="ctr"/>
-              <a:endParaRPr lang="zh-CN" altLang="en-US"/>
-            </a:p>
-          </p:txBody>
-        </p:sp>
-      </p:grpSp>
-      <p:sp>
-        <p:nvSpPr>
-          <p:cNvPr id="36" name="TextBox 35"/>
-          <p:cNvSpPr txBox="1"/>
-          <p:nvPr/>
-        </p:nvSpPr>
-        <p:spPr>
-          <a:xfrm>
-            <a:off x="3832860" y="313244"/>
-            <a:ext cx="1478280" cy="769441"/>
-          </a:xfrm>
-          <a:prstGeom prst="rect">
-            <a:avLst/>
-          </a:prstGeom>
-          <a:noFill/>
-        </p:spPr>
-        <p:txBody>
-          <a:bodyPr wrap="square" rtlCol="0">
-            <a:spAutoFit/>
-          </a:bodyPr>
-          <a:lstStyle/>
-          <a:p>
-            <a:pPr algn="ctr"/>
-            <a:r>
-              <a:rPr lang="zh-CN" altLang="en-US" sz="2800" b="1" dirty="0">
-                <a:ln w="6350">
-                  <a:noFill/>
-                </a:ln>
-                <a:solidFill>
-                  <a:schemeClr val="accent1"/>
-                </a:solidFill>
-                <a:latin typeface="Impact" pitchFamily="34" charset="0"/>
-                <a:ea typeface="微软雅黑" pitchFamily="34" charset="-122"/>
-              </a:rPr>
-              <a:t>目  录</a:t>
-            </a:r>
-            <a:endParaRPr lang="en-US" altLang="zh-CN" sz="2800" b="1" dirty="0">
-              <a:ln w="6350">
-                <a:noFill/>
-              </a:ln>
-              <a:solidFill>
-                <a:schemeClr val="accent1"/>
-              </a:solidFill>
-              <a:latin typeface="Impact" pitchFamily="34" charset="0"/>
-              <a:ea typeface="微软雅黑" pitchFamily="34" charset="-122"/>
-            </a:endParaRPr>
-          </a:p>
-          <a:p>
-            <a:pPr algn="ctr"/>
-            <a:r>
-              <a:rPr lang="en-US" altLang="zh-CN" sz="1600" dirty="0">
-                <a:ln w="6350">
-                  <a:noFill/>
-                </a:ln>
-                <a:solidFill>
-                  <a:schemeClr val="tx1">
-                    <a:lumMod val="50000"/>
-                    <a:lumOff val="50000"/>
-                  </a:schemeClr>
-                </a:solidFill>
-                <a:latin typeface="Arial" pitchFamily="34" charset="0"/>
-                <a:ea typeface="微软雅黑" pitchFamily="34" charset="-122"/>
-                <a:cs typeface="Arial" pitchFamily="34" charset="0"/>
-              </a:rPr>
-              <a:t>CONTENTS</a:t>
-            </a:r>
-            <a:endParaRPr lang="zh-CN" altLang="en-US" sz="1600" dirty="0">
-              <a:ln w="6350">
-                <a:noFill/>
-              </a:ln>
-              <a:solidFill>
-                <a:schemeClr val="tx1">
-                  <a:lumMod val="50000"/>
-                  <a:lumOff val="50000"/>
-                </a:schemeClr>
-              </a:solidFill>
-              <a:latin typeface="Arial" pitchFamily="34" charset="0"/>
-              <a:ea typeface="微软雅黑" pitchFamily="34" charset="-122"/>
-              <a:cs typeface="Arial" pitchFamily="34" charset="0"/>
-            </a:endParaRPr>
-          </a:p>
-        </p:txBody>
-      </p:sp>
-      <p:sp>
-        <p:nvSpPr>
-          <p:cNvPr id="65" name="矩形 64"/>
-          <p:cNvSpPr/>
-          <p:nvPr/>
-        </p:nvSpPr>
-        <p:spPr>
-          <a:xfrm>
-            <a:off x="3324361" y="1707654"/>
-            <a:ext cx="2069093" cy="461665"/>
-          </a:xfrm>
-          <a:prstGeom prst="rect">
-            <a:avLst/>
-          </a:prstGeom>
-        </p:spPr>
-        <p:txBody>
-          <a:bodyPr wrap="none">
-            <a:spAutoFit/>
-          </a:bodyPr>
-          <a:lstStyle/>
-          <a:p>
-            <a:pPr algn="ctr"/>
-            <a:r>
-              <a:rPr lang="en-US" altLang="zh-CN" sz="2400" b="1" dirty="0">
-                <a:ln w="6350">
-                  <a:noFill/>
-                </a:ln>
-                <a:solidFill>
-                  <a:schemeClr val="bg1">
-                    <a:lumMod val="50000"/>
-                  </a:schemeClr>
-                </a:solidFill>
-                <a:latin typeface="微软雅黑" panose="020B0503020204020204" pitchFamily="34" charset="-122"/>
-                <a:ea typeface="微软雅黑" panose="020B0503020204020204" pitchFamily="34" charset="-122"/>
-              </a:rPr>
-              <a:t>01  Web</a:t>
-            </a:r>
-            <a:r>
-              <a:rPr lang="zh-CN" altLang="en-US" sz="2400" b="1" dirty="0">
-                <a:ln w="6350">
-                  <a:noFill/>
-                </a:ln>
-                <a:solidFill>
-                  <a:schemeClr val="bg1">
-                    <a:lumMod val="50000"/>
-                  </a:schemeClr>
-                </a:solidFill>
-                <a:latin typeface="微软雅黑" panose="020B0503020204020204" pitchFamily="34" charset="-122"/>
-                <a:ea typeface="微软雅黑" panose="020B0503020204020204" pitchFamily="34" charset="-122"/>
-              </a:rPr>
-              <a:t>基础</a:t>
-            </a:r>
-          </a:p>
-        </p:txBody>
-      </p:sp>
-      <p:sp>
-        <p:nvSpPr>
-          <p:cNvPr id="38" name="矩形 37">
-            <a:extLst>
-              <a:ext uri="{FF2B5EF4-FFF2-40B4-BE49-F238E27FC236}">
-                <a16:creationId xmlns:a16="http://schemas.microsoft.com/office/drawing/2014/main" id="{925EBF20-3C2F-4D8F-9A19-76DB26BC8344}"/>
-              </a:ext>
-            </a:extLst>
-          </p:cNvPr>
-          <p:cNvSpPr/>
-          <p:nvPr/>
-        </p:nvSpPr>
-        <p:spPr>
-          <a:xfrm>
-            <a:off x="3324361" y="2592946"/>
-            <a:ext cx="4157806" cy="461665"/>
-          </a:xfrm>
-          <a:prstGeom prst="rect">
-            <a:avLst/>
-          </a:prstGeom>
-        </p:spPr>
-        <p:txBody>
-          <a:bodyPr wrap="none">
-            <a:spAutoFit/>
-          </a:bodyPr>
-          <a:lstStyle/>
-          <a:p>
-            <a:pPr algn="ctr"/>
-            <a:r>
-              <a:rPr lang="en-US" altLang="zh-CN" sz="2400" b="1" dirty="0">
-                <a:ln w="6350">
-                  <a:noFill/>
-                </a:ln>
-                <a:solidFill>
-                  <a:schemeClr val="bg1">
-                    <a:lumMod val="50000"/>
-                  </a:schemeClr>
-                </a:solidFill>
-                <a:latin typeface="微软雅黑" panose="020B0503020204020204" pitchFamily="34" charset="-122"/>
-                <a:ea typeface="微软雅黑" panose="020B0503020204020204" pitchFamily="34" charset="-122"/>
-              </a:rPr>
-              <a:t>02  </a:t>
-            </a:r>
-            <a:r>
-              <a:rPr lang="zh-CN" altLang="en-US" sz="2400" b="1" dirty="0">
-                <a:ln w="6350">
-                  <a:noFill/>
-                </a:ln>
-                <a:solidFill>
-                  <a:schemeClr val="bg1">
-                    <a:lumMod val="50000"/>
-                  </a:schemeClr>
-                </a:solidFill>
-                <a:latin typeface="微软雅黑" panose="020B0503020204020204" pitchFamily="34" charset="-122"/>
-                <a:ea typeface="微软雅黑" panose="020B0503020204020204" pitchFamily="34" charset="-122"/>
-              </a:rPr>
-              <a:t>传统</a:t>
-            </a:r>
-            <a:r>
-              <a:rPr lang="en-US" altLang="zh-CN" sz="2400" b="1" dirty="0">
-                <a:ln w="6350">
-                  <a:noFill/>
-                </a:ln>
-                <a:solidFill>
-                  <a:schemeClr val="bg1">
-                    <a:lumMod val="50000"/>
-                  </a:schemeClr>
-                </a:solidFill>
-                <a:latin typeface="微软雅黑" panose="020B0503020204020204" pitchFamily="34" charset="-122"/>
-                <a:ea typeface="微软雅黑" panose="020B0503020204020204" pitchFamily="34" charset="-122"/>
-              </a:rPr>
-              <a:t>MVC</a:t>
-            </a:r>
-            <a:r>
-              <a:rPr lang="zh-CN" altLang="en-US" sz="2400" b="1" dirty="0">
-                <a:ln w="6350">
-                  <a:noFill/>
-                </a:ln>
-                <a:solidFill>
-                  <a:schemeClr val="bg1">
-                    <a:lumMod val="50000"/>
-                  </a:schemeClr>
-                </a:solidFill>
-                <a:latin typeface="微软雅黑" panose="020B0503020204020204" pitchFamily="34" charset="-122"/>
-                <a:ea typeface="微软雅黑" panose="020B0503020204020204" pitchFamily="34" charset="-122"/>
-              </a:rPr>
-              <a:t>与</a:t>
-            </a:r>
-            <a:r>
-              <a:rPr lang="en-US" altLang="zh-CN" sz="2400" b="1" dirty="0" err="1">
-                <a:ln w="6350">
-                  <a:noFill/>
-                </a:ln>
-                <a:solidFill>
-                  <a:schemeClr val="bg1">
-                    <a:lumMod val="50000"/>
-                  </a:schemeClr>
-                </a:solidFill>
-                <a:latin typeface="微软雅黑" panose="020B0503020204020204" pitchFamily="34" charset="-122"/>
-                <a:ea typeface="微软雅黑" panose="020B0503020204020204" pitchFamily="34" charset="-122"/>
-              </a:rPr>
-              <a:t>SpringMVC</a:t>
-            </a:r>
-            <a:endParaRPr lang="zh-CN" altLang="en-US" sz="2400" b="1" dirty="0">
-              <a:ln w="6350">
-                <a:noFill/>
-              </a:ln>
-              <a:solidFill>
-                <a:schemeClr val="bg1">
-                  <a:lumMod val="50000"/>
-                </a:schemeClr>
-              </a:solidFill>
-              <a:latin typeface="微软雅黑" panose="020B0503020204020204" pitchFamily="34" charset="-122"/>
-              <a:ea typeface="微软雅黑" panose="020B0503020204020204" pitchFamily="34" charset="-122"/>
-            </a:endParaRPr>
-          </a:p>
-        </p:txBody>
-      </p:sp>
-      <p:sp>
-        <p:nvSpPr>
-          <p:cNvPr id="39" name="矩形 38">
-            <a:extLst>
-              <a:ext uri="{FF2B5EF4-FFF2-40B4-BE49-F238E27FC236}">
-                <a16:creationId xmlns:a16="http://schemas.microsoft.com/office/drawing/2014/main" id="{81838042-92CC-4EFB-804B-ED47C10CAA52}"/>
-              </a:ext>
-            </a:extLst>
-          </p:cNvPr>
-          <p:cNvSpPr/>
-          <p:nvPr/>
-        </p:nvSpPr>
-        <p:spPr>
-          <a:xfrm>
-            <a:off x="3324361" y="3478237"/>
-            <a:ext cx="3729867" cy="461665"/>
-          </a:xfrm>
-          <a:prstGeom prst="rect">
-            <a:avLst/>
-          </a:prstGeom>
-        </p:spPr>
-        <p:txBody>
-          <a:bodyPr wrap="none">
-            <a:spAutoFit/>
-          </a:bodyPr>
-          <a:lstStyle/>
-          <a:p>
-            <a:pPr algn="ctr"/>
-            <a:r>
-              <a:rPr lang="en-US" altLang="zh-CN" sz="2400" b="1" dirty="0">
-                <a:ln w="6350">
-                  <a:noFill/>
-                </a:ln>
-                <a:solidFill>
-                  <a:schemeClr val="bg1">
-                    <a:lumMod val="50000"/>
-                  </a:schemeClr>
-                </a:solidFill>
-                <a:latin typeface="微软雅黑" panose="020B0503020204020204" pitchFamily="34" charset="-122"/>
-                <a:ea typeface="微软雅黑" panose="020B0503020204020204" pitchFamily="34" charset="-122"/>
-              </a:rPr>
-              <a:t>03  </a:t>
-            </a:r>
-            <a:r>
-              <a:rPr lang="en-US" altLang="zh-CN" sz="2400" b="1" dirty="0" err="1">
-                <a:ln w="6350">
-                  <a:noFill/>
-                </a:ln>
-                <a:solidFill>
-                  <a:schemeClr val="bg1">
-                    <a:lumMod val="50000"/>
-                  </a:schemeClr>
-                </a:solidFill>
-                <a:latin typeface="微软雅黑" panose="020B0503020204020204" pitchFamily="34" charset="-122"/>
-                <a:ea typeface="微软雅黑" panose="020B0503020204020204" pitchFamily="34" charset="-122"/>
-              </a:rPr>
-              <a:t>SpringMVC</a:t>
-            </a:r>
-            <a:r>
-              <a:rPr lang="zh-CN" altLang="en-US" sz="2400" b="1" dirty="0">
-                <a:ln w="6350">
-                  <a:noFill/>
-                </a:ln>
-                <a:solidFill>
-                  <a:schemeClr val="bg1">
-                    <a:lumMod val="50000"/>
-                  </a:schemeClr>
-                </a:solidFill>
-                <a:latin typeface="微软雅黑" panose="020B0503020204020204" pitchFamily="34" charset="-122"/>
-                <a:ea typeface="微软雅黑" panose="020B0503020204020204" pitchFamily="34" charset="-122"/>
-              </a:rPr>
-              <a:t>底层原理</a:t>
-            </a:r>
-          </a:p>
-        </p:txBody>
-      </p:sp>
-    </p:spTree>
-  </p:cSld>
-  <p:clrMapOvr>
-    <a:masterClrMapping/>
-  </p:clrMapOvr>
-</p:sld>
-</file>
-
-<file path=ppt/slides/slide3.xml><?xml version="1.0" encoding="utf-8"?>
-<p:sld xmlns:a="http://schemas.openxmlformats.org/drawingml/2006/main" xmlns:r="http://schemas.openxmlformats.org/officeDocument/2006/relationships" xmlns:p="http://schemas.openxmlformats.org/presentationml/2006/main">
-  <p:cSld>
-    <p:spTree>
-      <p:nvGrpSpPr>
-        <p:cNvPr id="1" name=""/>
-        <p:cNvGrpSpPr/>
-        <p:nvPr/>
-      </p:nvGrpSpPr>
-      <p:grpSpPr>
-        <a:xfrm>
-          <a:off x="0" y="0"/>
-          <a:ext cx="0" cy="0"/>
-          <a:chOff x="0" y="0"/>
-          <a:chExt cx="0" cy="0"/>
-        </a:xfrm>
-      </p:grpSpPr>
       <p:sp>
         <p:nvSpPr>
           <p:cNvPr id="47" name="Rectangle 39"/>
@@ -3673,14 +3286,14 @@
               <a:buNone/>
             </a:pPr>
             <a:r>
-              <a:rPr lang="en-US" altLang="zh-CN" sz="2000" dirty="0">
+              <a:rPr lang="en-US" altLang="zh-CN" sz="2000" dirty="0" err="1">
                 <a:solidFill>
                   <a:schemeClr val="accent1"/>
                 </a:solidFill>
                 <a:latin typeface="微软雅黑" pitchFamily="34" charset="-122"/>
                 <a:ea typeface="微软雅黑" pitchFamily="34" charset="-122"/>
               </a:rPr>
-              <a:t>Web</a:t>
+              <a:t>SpringMVC</a:t>
             </a:r>
             <a:r>
               <a:rPr lang="zh-CN" altLang="en-US" sz="2000" dirty="0">
@@ -3690,7 +3303,7 @@
                 <a:latin typeface="微软雅黑" pitchFamily="34" charset="-122"/>
                 <a:ea typeface="微软雅黑" pitchFamily="34" charset="-122"/>
               </a:rPr>
-              <a:t>基础</a:t>
+              <a:t>底层原理</a:t>
             </a:r>
             <a:endParaRPr lang="en-US" altLang="zh-CN" sz="2000" dirty="0">
               <a:solidFill>
@@ -3903,10 +3516,10 @@
       </p:grpSp>
       <p:pic>
         <p:nvPicPr>
-          <p:cNvPr id="1026" name="Picture 2">
+          <p:cNvPr id="2" name="Picture 2">
             <a:extLst>
               <a:ext uri="{FF2B5EF4-FFF2-40B4-BE49-F238E27FC236}">
-                <a16:creationId xmlns:a16="http://schemas.microsoft.com/office/drawing/2014/main" id="{3037AEF0-0B2A-4FFE-A73E-D4D02501AF97}"/>
+                <a16:creationId xmlns:a16="http://schemas.microsoft.com/office/drawing/2014/main" id="{BC8FC0CD-BD1A-4CB8-A245-91437CDF484E}"/>
               </a:ext>
             </a:extLst>
           </p:cNvPr>
@@ -3930,8 +3543,8 @@
         </p:blipFill>
         <p:spPr bwMode="auto">
           <a:xfrm>
-            <a:off x="539552" y="771550"/>
-            <a:ext cx="5572125" cy="3724275"/>
+            <a:off x="641056" y="848506"/>
+            <a:ext cx="8316416" cy="3914202"/>
           </a:xfrm>
           <a:prstGeom prst="rect">
             <a:avLst/>
@@ -3948,244 +3561,15 @@
           </a:extLst>
         </p:spPr>
       </p:pic>
-      <p:sp>
-        <p:nvSpPr>
-          <p:cNvPr id="12" name="TextBox 21">
-            <a:extLst>
-              <a:ext uri="{FF2B5EF4-FFF2-40B4-BE49-F238E27FC236}">
-                <a16:creationId xmlns:a16="http://schemas.microsoft.com/office/drawing/2014/main" id="{CA1373AF-F638-4F7D-8304-30E738B45030}"/>
-              </a:ext>
-            </a:extLst>
-          </p:cNvPr>
-          <p:cNvSpPr txBox="1"/>
-          <p:nvPr/>
-        </p:nvSpPr>
-        <p:spPr>
-          <a:xfrm>
-            <a:off x="6588224" y="2067694"/>
-            <a:ext cx="2185004" cy="1319977"/>
-          </a:xfrm>
-          <a:prstGeom prst="rect">
-            <a:avLst/>
-          </a:prstGeom>
-        </p:spPr>
-        <p:style>
-          <a:lnRef idx="2">
-            <a:schemeClr val="accent2"/>
-          </a:lnRef>
-          <a:fillRef idx="1">
-            <a:schemeClr val="lt1"/>
-          </a:fillRef>
-          <a:effectRef idx="0">
-            <a:schemeClr val="accent2"/>
-          </a:effectRef>
-          <a:fontRef idx="minor">
-            <a:schemeClr val="dk1"/>
-          </a:fontRef>
-        </p:style>
-        <p:txBody>
-          <a:bodyPr wrap="square" rtlCol="0">
-            <a:spAutoFit/>
-          </a:bodyPr>
-          <a:lstStyle/>
-          <a:p>
-            <a:pPr>
-              <a:lnSpc>
-                <a:spcPct val="200000"/>
-              </a:lnSpc>
-            </a:pPr>
-            <a:r>
-              <a:rPr lang="en-US" altLang="zh-CN" sz="1400" dirty="0">
-                <a:ln w="6350">
-                  <a:noFill/>
-                </a:ln>
-                <a:solidFill>
-                  <a:schemeClr val="bg1">
-                    <a:lumMod val="50000"/>
-                  </a:schemeClr>
-                </a:solidFill>
-                <a:latin typeface="微软雅黑" pitchFamily="34" charset="-122"/>
-                <a:ea typeface="微软雅黑" pitchFamily="34" charset="-122"/>
-              </a:rPr>
-              <a:t>HTTP</a:t>
-            </a:r>
-            <a:r>
-              <a:rPr lang="zh-CN" altLang="en-US" sz="1400" dirty="0">
-                <a:ln w="6350">
-                  <a:noFill/>
-                </a:ln>
-                <a:solidFill>
-                  <a:schemeClr val="bg1">
-                    <a:lumMod val="50000"/>
-                  </a:schemeClr>
-                </a:solidFill>
-                <a:latin typeface="微软雅黑" pitchFamily="34" charset="-122"/>
-                <a:ea typeface="微软雅黑" pitchFamily="34" charset="-122"/>
-              </a:rPr>
-              <a:t>协议的特点：</a:t>
-            </a:r>
-            <a:endParaRPr lang="en-US" altLang="zh-CN" sz="1400" dirty="0">
-              <a:ln w="6350">
-                <a:noFill/>
-              </a:ln>
-              <a:solidFill>
-                <a:schemeClr val="bg1">
-                  <a:lumMod val="50000"/>
-                </a:schemeClr>
-              </a:solidFill>
-              <a:latin typeface="微软雅黑" pitchFamily="34" charset="-122"/>
-              <a:ea typeface="微软雅黑" pitchFamily="34" charset="-122"/>
-            </a:endParaRPr>
-          </a:p>
-          <a:p>
-            <a:pPr marL="285750" indent="-285750">
-              <a:lnSpc>
-                <a:spcPct val="200000"/>
-              </a:lnSpc>
-              <a:buFont typeface="Wingdings" panose="05000000000000000000" pitchFamily="2" charset="2"/>
-              <a:buChar char="l"/>
-            </a:pPr>
-            <a:r>
-              <a:rPr lang="zh-CN" altLang="en-US" sz="1400" dirty="0">
-                <a:ln w="6350">
-                  <a:noFill/>
-                </a:ln>
-                <a:solidFill>
-                  <a:schemeClr val="bg1">
-                    <a:lumMod val="50000"/>
-                  </a:schemeClr>
-                </a:solidFill>
-                <a:latin typeface="微软雅黑" pitchFamily="34" charset="-122"/>
-                <a:ea typeface="微软雅黑" pitchFamily="34" charset="-122"/>
-              </a:rPr>
-              <a:t>无状态</a:t>
-            </a:r>
-            <a:endParaRPr lang="en-US" altLang="zh-CN" sz="1400" dirty="0">
-              <a:ln w="6350">
-                <a:noFill/>
-              </a:ln>
-              <a:solidFill>
-                <a:schemeClr val="bg1">
-                  <a:lumMod val="50000"/>
-                </a:schemeClr>
-              </a:solidFill>
-              <a:latin typeface="微软雅黑" pitchFamily="34" charset="-122"/>
-              <a:ea typeface="微软雅黑" pitchFamily="34" charset="-122"/>
-            </a:endParaRPr>
-          </a:p>
-          <a:p>
-            <a:pPr marL="285750" indent="-285750">
-              <a:lnSpc>
-                <a:spcPct val="200000"/>
-              </a:lnSpc>
-              <a:buFont typeface="Wingdings" panose="05000000000000000000" pitchFamily="2" charset="2"/>
-              <a:buChar char="l"/>
-            </a:pPr>
-            <a:r>
-              <a:rPr lang="zh-CN" altLang="en-US" sz="1400" dirty="0">
-                <a:ln w="6350">
-                  <a:noFill/>
-                </a:ln>
-                <a:solidFill>
-                  <a:schemeClr val="bg1">
-                    <a:lumMod val="50000"/>
-                  </a:schemeClr>
-                </a:solidFill>
-                <a:latin typeface="微软雅黑" pitchFamily="34" charset="-122"/>
-                <a:ea typeface="微软雅黑" pitchFamily="34" charset="-122"/>
-              </a:rPr>
-              <a:t>无连接</a:t>
-            </a:r>
-          </a:p>
-        </p:txBody>
-      </p:sp>
     </p:spTree>
   </p:cSld>
   <p:clrMapOvr>
     <a:masterClrMapping/>
   </p:clrMapOvr>
-  <p:timing>
-    <p:tnLst>
-      <p:par>
-        <p:cTn id="1" dur="indefinite" restart="never" nodeType="tmRoot">
-          <p:childTnLst>
-            <p:seq concurrent="1" nextAc="seek">
-              <p:cTn id="2" dur="indefinite" nodeType="mainSeq">
-                <p:childTnLst>
-                  <p:par>
-                    <p:cTn id="3" fill="hold">
-                      <p:stCondLst>
-                        <p:cond delay="indefinite"/>
-                      </p:stCondLst>
-                      <p:childTnLst>
-                        <p:par>
-                          <p:cTn id="4" fill="hold">
-                            <p:stCondLst>
-                              <p:cond delay="0"/>
-                            </p:stCondLst>
-                            <p:childTnLst>
-                              <p:par>
-                                <p:cTn id="5" presetID="1" presetClass="entr" presetSubtype="0" fill="hold" grpId="0" nodeType="clickEffect">
-                                  <p:stCondLst>
-                                    <p:cond delay="0"/>
-                                  </p:stCondLst>
-                                  <p:childTnLst>
-                                    <p:set>
-                                      <p:cBhvr>
-                                        <p:cTn id="6" dur="1" fill="hold">
-                                          <p:stCondLst>
-                                            <p:cond delay="0"/>
-                                          </p:stCondLst>
-                                        </p:cTn>
-                                        <p:tgtEl>
-                                          <p:spTgt spid="12"/>
-                                        </p:tgtEl>
-                                        <p:attrNameLst>
-                                          <p:attrName>style.visibility</p:attrName>
-                                        </p:attrNameLst>
-                                      </p:cBhvr>
-                                      <p:to>
-                                        <p:strVal val="visible"/>
-                                      </p:to>
-                                    </p:set>
-                                  </p:childTnLst>
-                                </p:cTn>
-                              </p:par>
-                            </p:childTnLst>
-                          </p:cTn>
-                        </p:par>
-                      </p:childTnLst>
-                    </p:cTn>
-                  </p:par>
-                </p:childTnLst>
-              </p:cTn>
-              <p:prevCondLst>
-                <p:cond evt="onPrev" delay="0">
-                  <p:tgtEl>
-                    <p:sldTgt/>
-                  </p:tgtEl>
-                </p:cond>
-              </p:prevCondLst>
-              <p:nextCondLst>
-                <p:cond evt="onNext" delay="0">
-                  <p:tgtEl>
-                    <p:sldTgt/>
-                  </p:tgtEl>
-                </p:cond>
-              </p:nextCondLst>
-            </p:seq>
-          </p:childTnLst>
-        </p:cTn>
-      </p:par>
-    </p:tnLst>
-    <p:bldLst>
-      <p:bldP spid="12" grpId="0" animBg="1"/>
-    </p:bldLst>
-  </p:timing>
 </p:sld>
 </file>
 
-<file path=ppt/slides/slide4.xml><?xml version="1.0" encoding="utf-8"?>
+<file path=ppt/slides/slide3.xml><?xml version="1.0" encoding="utf-8"?>
 <p:sld xmlns:a="http://schemas.openxmlformats.org/drawingml/2006/main" xmlns:r="http://schemas.openxmlformats.org/officeDocument/2006/relationships" xmlns:p="http://schemas.openxmlformats.org/presentationml/2006/main">
   <p:cSld>
     <p:spTree>
@@ -4253,14 +3637,14 @@
               <a:buNone/>
             </a:pPr>
             <a:r>
-              <a:rPr lang="en-US" altLang="zh-CN" sz="2000" dirty="0">
+              <a:rPr lang="en-US" altLang="zh-CN" sz="2000" dirty="0" err="1">
                 <a:solidFill>
                   <a:schemeClr val="accent1"/>
                 </a:solidFill>
                 <a:latin typeface="微软雅黑" pitchFamily="34" charset="-122"/>
                 <a:ea typeface="微软雅黑" pitchFamily="34" charset="-122"/>
               </a:rPr>
-              <a:t>Web</a:t>
+              <a:t>SpringMVC</a:t>
             </a:r>
             <a:r>
               <a:rPr lang="zh-CN" altLang="en-US" sz="2000" dirty="0">
@@ -4270,7 +3654,7 @@
                 <a:latin typeface="微软雅黑" pitchFamily="34" charset="-122"/>
                 <a:ea typeface="微软雅黑" pitchFamily="34" charset="-122"/>
               </a:rPr>
-              <a:t>基础</a:t>
+              <a:t>底层原理</a:t>
             </a:r>
             <a:endParaRPr lang="en-US" altLang="zh-CN" sz="2000" dirty="0">
               <a:solidFill>
@@ -4486,7 +3870,7 @@
           <p:cNvPr id="2050" name="Picture 2">
             <a:extLst>
               <a:ext uri="{FF2B5EF4-FFF2-40B4-BE49-F238E27FC236}">
-                <a16:creationId xmlns:a16="http://schemas.microsoft.com/office/drawing/2014/main" id="{9EDE8CD6-05C8-4BFB-8A58-58C3221B570E}"/>
+                <a16:creationId xmlns:a16="http://schemas.microsoft.com/office/drawing/2014/main" id="{5E520BBA-76F0-4FF9-B104-73AFC83346A5}"/>
               </a:ext>
             </a:extLst>
           </p:cNvPr>
@@ -4510,8 +3894,8 @@
         </p:blipFill>
         <p:spPr bwMode="auto">
           <a:xfrm>
-            <a:off x="683568" y="51470"/>
-            <a:ext cx="4630737" cy="5143500"/>
+            <a:off x="1067338" y="699542"/>
+            <a:ext cx="6948487" cy="5143500"/>
           </a:xfrm>
           <a:prstGeom prst="rect">
             <a:avLst/>
@@ -4528,296 +3912,10 @@
           </a:extLst>
         </p:spPr>
       </p:pic>
-      <p:graphicFrame>
-        <p:nvGraphicFramePr>
-          <p:cNvPr id="5" name="表格 4">
-            <a:extLst>
-              <a:ext uri="{FF2B5EF4-FFF2-40B4-BE49-F238E27FC236}">
-                <a16:creationId xmlns:a16="http://schemas.microsoft.com/office/drawing/2014/main" id="{C5352B85-A0BD-4FE9-956D-5EFBB54F78C7}"/>
-              </a:ext>
-            </a:extLst>
-          </p:cNvPr>
-          <p:cNvGraphicFramePr>
-            <a:graphicFrameLocks noGrp="1"/>
-          </p:cNvGraphicFramePr>
-          <p:nvPr>
-            <p:extLst>
-              <p:ext uri="{D42A27DB-BD31-4B8C-83A1-F6EECF244321}">
-                <p14:modId xmlns:p14="http://schemas.microsoft.com/office/powerpoint/2010/main" val="3911619834"/>
-              </p:ext>
-            </p:extLst>
-          </p:nvPr>
-        </p:nvGraphicFramePr>
-        <p:xfrm>
-          <a:off x="5314305" y="2427734"/>
-          <a:ext cx="3543026" cy="1024192"/>
-        </p:xfrm>
-        <a:graphic>
-          <a:graphicData uri="http://schemas.openxmlformats.org/drawingml/2006/table">
-            <a:tbl>
-              <a:tblPr firstRow="1" firstCol="1" bandRow="1">
-                <a:tableStyleId>{5940675A-B579-460E-94D1-54222C63F5DA}</a:tableStyleId>
-              </a:tblPr>
-              <a:tblGrid>
-                <a:gridCol w="1771513">
-                  <a:extLst>
-                    <a:ext uri="{9D8B030D-6E8A-4147-A177-3AD203B41FA5}">
-                      <a16:colId xmlns:a16="http://schemas.microsoft.com/office/drawing/2014/main" val="874020505"/>
-                    </a:ext>
-                  </a:extLst>
-                </a:gridCol>
-                <a:gridCol w="1771513">
-                  <a:extLst>
-                    <a:ext uri="{9D8B030D-6E8A-4147-A177-3AD203B41FA5}">
-                      <a16:colId xmlns:a16="http://schemas.microsoft.com/office/drawing/2014/main" val="3206305073"/>
-                    </a:ext>
-                  </a:extLst>
-                </a:gridCol>
-              </a:tblGrid>
-              <a:tr h="0">
-                <a:tc>
-                  <a:txBody>
-                    <a:bodyPr/>
-                    <a:lstStyle/>
-                    <a:p>
-                      <a:pPr algn="just">
-                        <a:lnSpc>
-                          <a:spcPts val="2200"/>
-                        </a:lnSpc>
-                      </a:pPr>
-                      <a:r>
-                        <a:rPr lang="zh-CN" sz="1400" kern="100">
-                          <a:effectLst/>
-                        </a:rPr>
-                        <a:t>大类型</a:t>
-                      </a:r>
-                      <a:endParaRPr lang="zh-CN" sz="1050" kern="100">
-                        <a:effectLst/>
-                        <a:latin typeface="等线" panose="02010600030101010101" pitchFamily="2" charset="-122"/>
-                        <a:ea typeface="等线" panose="02010600030101010101" pitchFamily="2" charset="-122"/>
-                        <a:cs typeface="Times New Roman" panose="02020603050405020304" pitchFamily="18" charset="0"/>
-                      </a:endParaRPr>
-                    </a:p>
-                  </a:txBody>
-                  <a:tcPr marL="68580" marR="68580" marT="0" marB="0"/>
-                </a:tc>
-                <a:tc>
-                  <a:txBody>
-                    <a:bodyPr/>
-                    <a:lstStyle/>
-                    <a:p>
-                      <a:pPr algn="just">
-                        <a:lnSpc>
-                          <a:spcPts val="2200"/>
-                        </a:lnSpc>
-                      </a:pPr>
-                      <a:r>
-                        <a:rPr lang="zh-CN" sz="1400" kern="100">
-                          <a:effectLst/>
-                        </a:rPr>
-                        <a:t>小类型</a:t>
-                      </a:r>
-                      <a:endParaRPr lang="zh-CN" sz="1050" kern="100">
-                        <a:effectLst/>
-                        <a:latin typeface="等线" panose="02010600030101010101" pitchFamily="2" charset="-122"/>
-                        <a:ea typeface="等线" panose="02010600030101010101" pitchFamily="2" charset="-122"/>
-                        <a:cs typeface="Times New Roman" panose="02020603050405020304" pitchFamily="18" charset="0"/>
-                      </a:endParaRPr>
-                    </a:p>
-                  </a:txBody>
-                  <a:tcPr marL="68580" marR="68580" marT="0" marB="0"/>
-                </a:tc>
-                <a:extLst>
-                  <a:ext uri="{0D108BD9-81ED-4DB2-BD59-A6C34878D82A}">
-                    <a16:rowId xmlns:a16="http://schemas.microsoft.com/office/drawing/2014/main" val="3308910449"/>
-                  </a:ext>
-                </a:extLst>
-              </a:tr>
-              <a:tr h="0">
-                <a:tc>
-                  <a:txBody>
-                    <a:bodyPr/>
-                    <a:lstStyle/>
-                    <a:p>
-                      <a:pPr algn="just">
-                        <a:lnSpc>
-                          <a:spcPts val="2200"/>
-                        </a:lnSpc>
-                      </a:pPr>
-                      <a:r>
-                        <a:rPr lang="en-US" sz="1400" kern="100">
-                          <a:effectLst/>
-                        </a:rPr>
-                        <a:t>text</a:t>
-                      </a:r>
-                      <a:endParaRPr lang="zh-CN" sz="1050" kern="100">
-                        <a:effectLst/>
-                        <a:latin typeface="等线" panose="02010600030101010101" pitchFamily="2" charset="-122"/>
-                        <a:ea typeface="等线" panose="02010600030101010101" pitchFamily="2" charset="-122"/>
-                        <a:cs typeface="Times New Roman" panose="02020603050405020304" pitchFamily="18" charset="0"/>
-                      </a:endParaRPr>
-                    </a:p>
-                  </a:txBody>
-                  <a:tcPr marL="68580" marR="68580" marT="0" marB="0"/>
-                </a:tc>
-                <a:tc>
-                  <a:txBody>
-                    <a:bodyPr/>
-                    <a:lstStyle/>
-                    <a:p>
-                      <a:pPr algn="just">
-                        <a:lnSpc>
-                          <a:spcPts val="2200"/>
-                        </a:lnSpc>
-                      </a:pPr>
-                      <a:r>
-                        <a:rPr lang="en-US" sz="1400" kern="100">
-                          <a:effectLst/>
-                        </a:rPr>
-                        <a:t>html, plain, css, …</a:t>
-                      </a:r>
-                      <a:endParaRPr lang="zh-CN" sz="1050" kern="100">
-                        <a:effectLst/>
-                        <a:latin typeface="等线" panose="02010600030101010101" pitchFamily="2" charset="-122"/>
-                        <a:ea typeface="等线" panose="02010600030101010101" pitchFamily="2" charset="-122"/>
-                        <a:cs typeface="Times New Roman" panose="02020603050405020304" pitchFamily="18" charset="0"/>
-                      </a:endParaRPr>
-                    </a:p>
-                  </a:txBody>
-                  <a:tcPr marL="68580" marR="68580" marT="0" marB="0"/>
-                </a:tc>
-                <a:extLst>
-                  <a:ext uri="{0D108BD9-81ED-4DB2-BD59-A6C34878D82A}">
-                    <a16:rowId xmlns:a16="http://schemas.microsoft.com/office/drawing/2014/main" val="1372973336"/>
-                  </a:ext>
-                </a:extLst>
-              </a:tr>
-              <a:tr h="0">
-                <a:tc>
-                  <a:txBody>
-                    <a:bodyPr/>
-                    <a:lstStyle/>
-                    <a:p>
-                      <a:pPr algn="just">
-                        <a:lnSpc>
-                          <a:spcPts val="2200"/>
-                        </a:lnSpc>
-                      </a:pPr>
-                      <a:r>
-                        <a:rPr lang="en-US" sz="1400" kern="100">
-                          <a:effectLst/>
-                        </a:rPr>
-                        <a:t>image</a:t>
-                      </a:r>
-                      <a:endParaRPr lang="zh-CN" sz="1050" kern="100">
-                        <a:effectLst/>
-                        <a:latin typeface="等线" panose="02010600030101010101" pitchFamily="2" charset="-122"/>
-                        <a:ea typeface="等线" panose="02010600030101010101" pitchFamily="2" charset="-122"/>
-                        <a:cs typeface="Times New Roman" panose="02020603050405020304" pitchFamily="18" charset="0"/>
-                      </a:endParaRPr>
-                    </a:p>
-                  </a:txBody>
-                  <a:tcPr marL="68580" marR="68580" marT="0" marB="0"/>
-                </a:tc>
-                <a:tc>
-                  <a:txBody>
-                    <a:bodyPr/>
-                    <a:lstStyle/>
-                    <a:p>
-                      <a:pPr algn="just">
-                        <a:lnSpc>
-                          <a:spcPts val="2200"/>
-                        </a:lnSpc>
-                      </a:pPr>
-                      <a:r>
-                        <a:rPr lang="en-US" sz="1400" kern="100">
-                          <a:effectLst/>
-                        </a:rPr>
-                        <a:t>jpeg, png, gif, …</a:t>
-                      </a:r>
-                      <a:endParaRPr lang="zh-CN" sz="1050" kern="100">
-                        <a:effectLst/>
-                        <a:latin typeface="等线" panose="02010600030101010101" pitchFamily="2" charset="-122"/>
-                        <a:ea typeface="等线" panose="02010600030101010101" pitchFamily="2" charset="-122"/>
-                        <a:cs typeface="Times New Roman" panose="02020603050405020304" pitchFamily="18" charset="0"/>
-                      </a:endParaRPr>
-                    </a:p>
-                  </a:txBody>
-                  <a:tcPr marL="68580" marR="68580" marT="0" marB="0"/>
-                </a:tc>
-                <a:extLst>
-                  <a:ext uri="{0D108BD9-81ED-4DB2-BD59-A6C34878D82A}">
-                    <a16:rowId xmlns:a16="http://schemas.microsoft.com/office/drawing/2014/main" val="1052737035"/>
-                  </a:ext>
-                </a:extLst>
-              </a:tr>
-              <a:tr h="0">
-                <a:tc>
-                  <a:txBody>
-                    <a:bodyPr/>
-                    <a:lstStyle/>
-                    <a:p>
-                      <a:pPr algn="just">
-                        <a:lnSpc>
-                          <a:spcPts val="2200"/>
-                        </a:lnSpc>
-                      </a:pPr>
-                      <a:r>
-                        <a:rPr lang="en-US" sz="1400" kern="100">
-                          <a:effectLst/>
-                        </a:rPr>
-                        <a:t>…</a:t>
-                      </a:r>
-                      <a:endParaRPr lang="zh-CN" sz="1050" kern="100">
-                        <a:effectLst/>
-                        <a:latin typeface="等线" panose="02010600030101010101" pitchFamily="2" charset="-122"/>
-                        <a:ea typeface="等线" panose="02010600030101010101" pitchFamily="2" charset="-122"/>
-                        <a:cs typeface="Times New Roman" panose="02020603050405020304" pitchFamily="18" charset="0"/>
-                      </a:endParaRPr>
-                    </a:p>
-                  </a:txBody>
-                  <a:tcPr marL="68580" marR="68580" marT="0" marB="0"/>
-                </a:tc>
-                <a:tc>
-                  <a:txBody>
-                    <a:bodyPr/>
-                    <a:lstStyle/>
-                    <a:p>
-                      <a:pPr algn="just">
-                        <a:lnSpc>
-                          <a:spcPts val="2200"/>
-                        </a:lnSpc>
-                      </a:pPr>
-                      <a:r>
-                        <a:rPr lang="en-US" sz="1400" kern="100" dirty="0">
-                          <a:effectLst/>
-                        </a:rPr>
-                        <a:t>…</a:t>
-                      </a:r>
-                      <a:endParaRPr lang="zh-CN" sz="1050" kern="100" dirty="0">
-                        <a:effectLst/>
-                        <a:latin typeface="等线" panose="02010600030101010101" pitchFamily="2" charset="-122"/>
-                        <a:ea typeface="等线" panose="02010600030101010101" pitchFamily="2" charset="-122"/>
-                        <a:cs typeface="Times New Roman" panose="02020603050405020304" pitchFamily="18" charset="0"/>
-                      </a:endParaRPr>
-                    </a:p>
-                  </a:txBody>
-                  <a:tcPr marL="68580" marR="68580" marT="0" marB="0"/>
-                </a:tc>
-                <a:extLst>
-                  <a:ext uri="{0D108BD9-81ED-4DB2-BD59-A6C34878D82A}">
-                    <a16:rowId xmlns:a16="http://schemas.microsoft.com/office/drawing/2014/main" val="906156789"/>
-                  </a:ext>
-                </a:extLst>
-              </a:tr>
-            </a:tbl>
-          </a:graphicData>
-        </a:graphic>
-      </p:graphicFrame>
     </p:spTree>
     <p:extLst>
       <p:ext uri="{BB962C8B-B14F-4D97-AF65-F5344CB8AC3E}">
-        <p14:creationId xmlns:p14="http://schemas.microsoft.com/office/powerpoint/2010/main" val="2353378809"/>
+        <p14:creationId xmlns:p14="http://schemas.microsoft.com/office/powerpoint/2010/main" val="3690687629"/>
       </p:ext>
     </p:extLst>
   </p:cSld>
@@ -4827,7 +3925,7 @@
 </p:sld>
 </file>
 
-<file path=ppt/slides/slide5.xml><?xml version="1.0" encoding="utf-8"?>
+<file path=ppt/slides/slide4.xml><?xml version="1.0" encoding="utf-8"?>
 <p:sld xmlns:a="http://schemas.openxmlformats.org/drawingml/2006/main" xmlns:r="http://schemas.openxmlformats.org/officeDocument/2006/relationships" xmlns:p="http://schemas.openxmlformats.org/presentationml/2006/main">
   <p:cSld>
     <p:spTree>
@@ -4895,14 +3993,14 @@
               <a:buNone/>
             </a:pPr>
             <a:r>
-              <a:rPr lang="en-US" altLang="zh-CN" sz="2000" dirty="0">
+              <a:rPr lang="en-US" altLang="zh-CN" sz="2000" dirty="0" err="1">
                 <a:solidFill>
                   <a:schemeClr val="accent1"/>
                 </a:solidFill>
                 <a:latin typeface="微软雅黑" pitchFamily="34" charset="-122"/>
                 <a:ea typeface="微软雅黑" pitchFamily="34" charset="-122"/>
               </a:rPr>
-              <a:t>Web</a:t>
+              <a:t>SpringMVC</a:t>
             </a:r>
             <a:r>
               <a:rPr lang="zh-CN" altLang="en-US" sz="2000" dirty="0">
@@ -4912,7 +4010,7 @@
                 <a:latin typeface="微软雅黑" pitchFamily="34" charset="-122"/>
                 <a:ea typeface="微软雅黑" pitchFamily="34" charset="-122"/>
               </a:rPr>
-              <a:t>基础</a:t>
+              <a:t>底层原理</a:t>
             </a:r>
             <a:endParaRPr lang="en-US" altLang="zh-CN" sz="2000" dirty="0">
               <a:solidFill>
@@ -5123,10 +4221,810 @@
           </p:txBody>
         </p:sp>
       </p:grpSp>
+      <p:pic>
+        <p:nvPicPr>
+          <p:cNvPr id="3076" name="Picture 4">
+            <a:extLst>
+              <a:ext uri="{FF2B5EF4-FFF2-40B4-BE49-F238E27FC236}">
+                <a16:creationId xmlns:a16="http://schemas.microsoft.com/office/drawing/2014/main" id="{A57D4946-CA5B-4927-8994-5CA7708C8120}"/>
+              </a:ext>
+            </a:extLst>
+          </p:cNvPr>
+          <p:cNvPicPr>
+            <a:picLocks noChangeAspect="1" noChangeArrowheads="1"/>
+          </p:cNvPicPr>
+          <p:nvPr/>
+        </p:nvPicPr>
+        <p:blipFill>
+          <a:blip r:embed="rId3" cstate="print">
+            <a:extLst>
+              <a:ext uri="{28A0092B-C50C-407E-A947-70E740481C1C}">
+                <a14:useLocalDpi xmlns:a14="http://schemas.microsoft.com/office/drawing/2010/main" val="0"/>
+              </a:ext>
+            </a:extLst>
+          </a:blip>
+          <a:srcRect/>
+          <a:stretch>
+            <a:fillRect/>
+          </a:stretch>
+        </p:blipFill>
+        <p:spPr bwMode="auto">
+          <a:xfrm>
+            <a:off x="0" y="1275606"/>
+            <a:ext cx="9144000" cy="3079750"/>
+          </a:xfrm>
+          <a:prstGeom prst="rect">
+            <a:avLst/>
+          </a:prstGeom>
+          <a:noFill/>
+          <a:extLst>
+            <a:ext uri="{909E8E84-426E-40DD-AFC4-6F175D3DCCD1}">
+              <a14:hiddenFill xmlns:a14="http://schemas.microsoft.com/office/drawing/2010/main">
+                <a:solidFill>
+                  <a:srgbClr val="FFFFFF"/>
+                </a:solidFill>
+              </a14:hiddenFill>
+            </a:ext>
+          </a:extLst>
+        </p:spPr>
+      </p:pic>
     </p:spTree>
     <p:extLst>
       <p:ext uri="{BB962C8B-B14F-4D97-AF65-F5344CB8AC3E}">
-        <p14:creationId xmlns:p14="http://schemas.microsoft.com/office/powerpoint/2010/main" val="2229135005"/>
+        <p14:creationId xmlns:p14="http://schemas.microsoft.com/office/powerpoint/2010/main" val="4181089099"/>
+      </p:ext>
+    </p:extLst>
+  </p:cSld>
+  <p:clrMapOvr>
+    <a:masterClrMapping/>
+  </p:clrMapOvr>
+</p:sld>
+</file>
+
+<file path=ppt/slides/slide5.xml><?xml version="1.0" encoding="utf-8"?>
+<p:sld xmlns:a="http://schemas.openxmlformats.org/drawingml/2006/main" xmlns:r="http://schemas.openxmlformats.org/officeDocument/2006/relationships" xmlns:p="http://schemas.openxmlformats.org/presentationml/2006/main">
+  <p:cSld>
+    <p:spTree>
+      <p:nvGrpSpPr>
+        <p:cNvPr id="1" name=""/>
+        <p:cNvGrpSpPr/>
+        <p:nvPr/>
+      </p:nvGrpSpPr>
+      <p:grpSpPr>
+        <a:xfrm>
+          <a:off x="0" y="0"/>
+          <a:ext cx="0" cy="0"/>
+          <a:chOff x="0" y="0"/>
+          <a:chExt cx="0" cy="0"/>
+        </a:xfrm>
+      </p:grpSpPr>
+      <p:sp>
+        <p:nvSpPr>
+          <p:cNvPr id="47" name="Rectangle 39"/>
+          <p:cNvSpPr>
+            <a:spLocks noChangeArrowheads="1"/>
+          </p:cNvSpPr>
+          <p:nvPr/>
+        </p:nvSpPr>
+        <p:spPr bwMode="auto">
+          <a:xfrm>
+            <a:off x="416159" y="278281"/>
+            <a:ext cx="2778059" cy="307872"/>
+          </a:xfrm>
+          <a:prstGeom prst="rect">
+            <a:avLst/>
+          </a:prstGeom>
+          <a:noFill/>
+          <a:ln>
+            <a:noFill/>
+          </a:ln>
+          <a:extLst>
+            <a:ext uri="{909E8E84-426E-40DD-AFC4-6F175D3DCCD1}">
+              <a14:hiddenFill xmlns:a14="http://schemas.microsoft.com/office/drawing/2010/main">
+                <a:solidFill>
+                  <a:srgbClr val="FFFFFF"/>
+                </a:solidFill>
+              </a14:hiddenFill>
+            </a:ext>
+            <a:ext uri="{91240B29-F687-4F45-9708-019B960494DF}">
+              <a14:hiddenLine xmlns:a14="http://schemas.microsoft.com/office/drawing/2010/main" w="9525">
+                <a:solidFill>
+                  <a:srgbClr val="000000"/>
+                </a:solidFill>
+                <a:miter lim="800000"/>
+                <a:headEnd/>
+                <a:tailEnd/>
+              </a14:hiddenLine>
+            </a:ext>
+          </a:extLst>
+        </p:spPr>
+        <p:txBody>
+          <a:bodyPr wrap="square" lIns="0" tIns="0" rIns="0" bIns="0">
+            <a:spAutoFit/>
+          </a:bodyPr>
+          <a:lstStyle/>
+          <a:p>
+            <a:pPr>
+              <a:buFont typeface="Arial" pitchFamily="34" charset="0"/>
+              <a:buNone/>
+            </a:pPr>
+            <a:r>
+              <a:rPr lang="en-US" altLang="zh-CN" sz="2000" dirty="0" err="1">
+                <a:solidFill>
+                  <a:schemeClr val="accent1"/>
+                </a:solidFill>
+                <a:latin typeface="微软雅黑" pitchFamily="34" charset="-122"/>
+                <a:ea typeface="微软雅黑" pitchFamily="34" charset="-122"/>
+              </a:rPr>
+              <a:t>SpringMVC</a:t>
+            </a:r>
+            <a:r>
+              <a:rPr lang="zh-CN" altLang="en-US" sz="2000" dirty="0">
+                <a:solidFill>
+                  <a:schemeClr val="accent1"/>
+                </a:solidFill>
+                <a:latin typeface="微软雅黑" pitchFamily="34" charset="-122"/>
+                <a:ea typeface="微软雅黑" pitchFamily="34" charset="-122"/>
+              </a:rPr>
+              <a:t>底层原理</a:t>
+            </a:r>
+            <a:endParaRPr lang="en-US" altLang="zh-CN" sz="2000" dirty="0">
+              <a:solidFill>
+                <a:schemeClr val="accent1"/>
+              </a:solidFill>
+              <a:latin typeface="微软雅黑" pitchFamily="34" charset="-122"/>
+              <a:ea typeface="微软雅黑" pitchFamily="34" charset="-122"/>
+            </a:endParaRPr>
+          </a:p>
+        </p:txBody>
+      </p:sp>
+      <p:grpSp>
+        <p:nvGrpSpPr>
+          <p:cNvPr id="48" name="组合 47"/>
+          <p:cNvGrpSpPr/>
+          <p:nvPr/>
+        </p:nvGrpSpPr>
+        <p:grpSpPr>
+          <a:xfrm>
+            <a:off x="416158" y="699542"/>
+            <a:ext cx="899592" cy="56017"/>
+            <a:chOff x="0" y="2842590"/>
+            <a:chExt cx="7054752" cy="89199"/>
+          </a:xfrm>
+        </p:grpSpPr>
+        <p:sp>
+          <p:nvSpPr>
+            <p:cNvPr id="49" name="矩形 48"/>
+            <p:cNvSpPr/>
+            <p:nvPr/>
+          </p:nvSpPr>
+          <p:spPr>
+            <a:xfrm>
+              <a:off x="0" y="2842590"/>
+              <a:ext cx="1763688" cy="89199"/>
+            </a:xfrm>
+            <a:prstGeom prst="rect">
+              <a:avLst/>
+            </a:prstGeom>
+            <a:solidFill>
+              <a:schemeClr val="accent1"/>
+            </a:solidFill>
+            <a:ln>
+              <a:noFill/>
+            </a:ln>
+          </p:spPr>
+          <p:style>
+            <a:lnRef idx="2">
+              <a:schemeClr val="accent1">
+                <a:shade val="50000"/>
+              </a:schemeClr>
+            </a:lnRef>
+            <a:fillRef idx="1">
+              <a:schemeClr val="accent1"/>
+            </a:fillRef>
+            <a:effectRef idx="0">
+              <a:schemeClr val="accent1"/>
+            </a:effectRef>
+            <a:fontRef idx="minor">
+              <a:schemeClr val="lt1"/>
+            </a:fontRef>
+          </p:style>
+          <p:txBody>
+            <a:bodyPr rtlCol="0" anchor="ctr"/>
+            <a:lstStyle/>
+            <a:p>
+              <a:pPr algn="ctr"/>
+              <a:endParaRPr lang="zh-CN" altLang="en-US"/>
+            </a:p>
+          </p:txBody>
+        </p:sp>
+        <p:sp>
+          <p:nvSpPr>
+            <p:cNvPr id="50" name="矩形 49"/>
+            <p:cNvSpPr/>
+            <p:nvPr/>
+          </p:nvSpPr>
+          <p:spPr>
+            <a:xfrm>
+              <a:off x="1763688" y="2842590"/>
+              <a:ext cx="1763688" cy="89199"/>
+            </a:xfrm>
+            <a:prstGeom prst="rect">
+              <a:avLst/>
+            </a:prstGeom>
+            <a:solidFill>
+              <a:schemeClr val="accent2"/>
+            </a:solidFill>
+            <a:ln>
+              <a:noFill/>
+            </a:ln>
+          </p:spPr>
+          <p:style>
+            <a:lnRef idx="2">
+              <a:schemeClr val="accent1">
+                <a:shade val="50000"/>
+              </a:schemeClr>
+            </a:lnRef>
+            <a:fillRef idx="1">
+              <a:schemeClr val="accent1"/>
+            </a:fillRef>
+            <a:effectRef idx="0">
+              <a:schemeClr val="accent1"/>
+            </a:effectRef>
+            <a:fontRef idx="minor">
+              <a:schemeClr val="lt1"/>
+            </a:fontRef>
+          </p:style>
+          <p:txBody>
+            <a:bodyPr rtlCol="0" anchor="ctr"/>
+            <a:lstStyle/>
+            <a:p>
+              <a:pPr algn="ctr"/>
+              <a:endParaRPr lang="zh-CN" altLang="en-US"/>
+            </a:p>
+          </p:txBody>
+        </p:sp>
+        <p:sp>
+          <p:nvSpPr>
+            <p:cNvPr id="51" name="矩形 50"/>
+            <p:cNvSpPr/>
+            <p:nvPr/>
+          </p:nvSpPr>
+          <p:spPr>
+            <a:xfrm>
+              <a:off x="3527376" y="2842590"/>
+              <a:ext cx="1763688" cy="89199"/>
+            </a:xfrm>
+            <a:prstGeom prst="rect">
+              <a:avLst/>
+            </a:prstGeom>
+            <a:solidFill>
+              <a:schemeClr val="accent3"/>
+            </a:solidFill>
+            <a:ln>
+              <a:noFill/>
+            </a:ln>
+          </p:spPr>
+          <p:style>
+            <a:lnRef idx="2">
+              <a:schemeClr val="accent1">
+                <a:shade val="50000"/>
+              </a:schemeClr>
+            </a:lnRef>
+            <a:fillRef idx="1">
+              <a:schemeClr val="accent1"/>
+            </a:fillRef>
+            <a:effectRef idx="0">
+              <a:schemeClr val="accent1"/>
+            </a:effectRef>
+            <a:fontRef idx="minor">
+              <a:schemeClr val="lt1"/>
+            </a:fontRef>
+          </p:style>
+          <p:txBody>
+            <a:bodyPr rtlCol="0" anchor="ctr"/>
+            <a:lstStyle/>
+            <a:p>
+              <a:pPr algn="ctr"/>
+              <a:endParaRPr lang="zh-CN" altLang="en-US"/>
+            </a:p>
+          </p:txBody>
+        </p:sp>
+        <p:sp>
+          <p:nvSpPr>
+            <p:cNvPr id="52" name="矩形 51"/>
+            <p:cNvSpPr/>
+            <p:nvPr/>
+          </p:nvSpPr>
+          <p:spPr>
+            <a:xfrm>
+              <a:off x="5291064" y="2842590"/>
+              <a:ext cx="1763688" cy="89199"/>
+            </a:xfrm>
+            <a:prstGeom prst="rect">
+              <a:avLst/>
+            </a:prstGeom>
+            <a:solidFill>
+              <a:schemeClr val="accent4"/>
+            </a:solidFill>
+            <a:ln>
+              <a:noFill/>
+            </a:ln>
+          </p:spPr>
+          <p:style>
+            <a:lnRef idx="2">
+              <a:schemeClr val="accent1">
+                <a:shade val="50000"/>
+              </a:schemeClr>
+            </a:lnRef>
+            <a:fillRef idx="1">
+              <a:schemeClr val="accent1"/>
+            </a:fillRef>
+            <a:effectRef idx="0">
+              <a:schemeClr val="accent1"/>
+            </a:effectRef>
+            <a:fontRef idx="minor">
+              <a:schemeClr val="lt1"/>
+            </a:fontRef>
+          </p:style>
+          <p:txBody>
+            <a:bodyPr rtlCol="0" anchor="ctr"/>
+            <a:lstStyle/>
+            <a:p>
+              <a:pPr algn="ctr"/>
+              <a:endParaRPr lang="zh-CN" altLang="en-US"/>
+            </a:p>
+          </p:txBody>
+        </p:sp>
+      </p:grpSp>
+      <p:sp>
+        <p:nvSpPr>
+          <p:cNvPr id="9" name="TextBox 21">
+            <a:extLst>
+              <a:ext uri="{FF2B5EF4-FFF2-40B4-BE49-F238E27FC236}">
+                <a16:creationId xmlns:a16="http://schemas.microsoft.com/office/drawing/2014/main" id="{CFDB359A-341E-48C3-B3F0-E6C7ABE0BC6F}"/>
+              </a:ext>
+            </a:extLst>
+          </p:cNvPr>
+          <p:cNvSpPr txBox="1"/>
+          <p:nvPr/>
+        </p:nvSpPr>
+        <p:spPr>
+          <a:xfrm>
+            <a:off x="641056" y="915566"/>
+            <a:ext cx="2160414" cy="307777"/>
+          </a:xfrm>
+          <a:prstGeom prst="rect">
+            <a:avLst/>
+          </a:prstGeom>
+          <a:noFill/>
+        </p:spPr>
+        <p:txBody>
+          <a:bodyPr wrap="square" rtlCol="0">
+            <a:spAutoFit/>
+          </a:bodyPr>
+          <a:lstStyle/>
+          <a:p>
+            <a:r>
+              <a:rPr lang="en-US" altLang="zh-CN" sz="1400" dirty="0">
+                <a:ln w="6350">
+                  <a:noFill/>
+                </a:ln>
+                <a:solidFill>
+                  <a:schemeClr val="bg1">
+                    <a:lumMod val="50000"/>
+                  </a:schemeClr>
+                </a:solidFill>
+                <a:latin typeface="微软雅黑" pitchFamily="34" charset="-122"/>
+                <a:ea typeface="微软雅黑" pitchFamily="34" charset="-122"/>
+              </a:rPr>
+              <a:t>Interceptor</a:t>
+            </a:r>
+            <a:endParaRPr lang="zh-CN" altLang="en-US" sz="1400" dirty="0">
+              <a:ln w="6350">
+                <a:noFill/>
+              </a:ln>
+              <a:solidFill>
+                <a:schemeClr val="bg1">
+                  <a:lumMod val="50000"/>
+                </a:schemeClr>
+              </a:solidFill>
+              <a:latin typeface="微软雅黑" pitchFamily="34" charset="-122"/>
+              <a:ea typeface="微软雅黑" pitchFamily="34" charset="-122"/>
+            </a:endParaRPr>
+          </a:p>
+        </p:txBody>
+      </p:sp>
+      <p:pic>
+        <p:nvPicPr>
+          <p:cNvPr id="3" name="图片 2">
+            <a:extLst>
+              <a:ext uri="{FF2B5EF4-FFF2-40B4-BE49-F238E27FC236}">
+                <a16:creationId xmlns:a16="http://schemas.microsoft.com/office/drawing/2014/main" id="{B6EB94B3-7430-4F09-86D7-B0934B3D61F7}"/>
+              </a:ext>
+            </a:extLst>
+          </p:cNvPr>
+          <p:cNvPicPr>
+            <a:picLocks noChangeAspect="1"/>
+          </p:cNvPicPr>
+          <p:nvPr/>
+        </p:nvPicPr>
+        <p:blipFill>
+          <a:blip r:embed="rId3"/>
+          <a:stretch>
+            <a:fillRect/>
+          </a:stretch>
+        </p:blipFill>
+        <p:spPr>
+          <a:xfrm>
+            <a:off x="544936" y="1347614"/>
+            <a:ext cx="8664691" cy="3444538"/>
+          </a:xfrm>
+          <a:prstGeom prst="rect">
+            <a:avLst/>
+          </a:prstGeom>
+        </p:spPr>
+      </p:pic>
+    </p:spTree>
+    <p:extLst>
+      <p:ext uri="{BB962C8B-B14F-4D97-AF65-F5344CB8AC3E}">
+        <p14:creationId xmlns:p14="http://schemas.microsoft.com/office/powerpoint/2010/main" val="1149456539"/>
+      </p:ext>
+    </p:extLst>
+  </p:cSld>
+  <p:clrMapOvr>
+    <a:masterClrMapping/>
+  </p:clrMapOvr>
+</p:sld>
+</file>
+
+<file path=ppt/slides/slide6.xml><?xml version="1.0" encoding="utf-8"?>
+<p:sld xmlns:a="http://schemas.openxmlformats.org/drawingml/2006/main" xmlns:r="http://schemas.openxmlformats.org/officeDocument/2006/relationships" xmlns:p="http://schemas.openxmlformats.org/presentationml/2006/main">
+  <p:cSld>
+    <p:spTree>
+      <p:nvGrpSpPr>
+        <p:cNvPr id="1" name=""/>
+        <p:cNvGrpSpPr/>
+        <p:nvPr/>
+      </p:nvGrpSpPr>
+      <p:grpSpPr>
+        <a:xfrm>
+          <a:off x="0" y="0"/>
+          <a:ext cx="0" cy="0"/>
+          <a:chOff x="0" y="0"/>
+          <a:chExt cx="0" cy="0"/>
+        </a:xfrm>
+      </p:grpSpPr>
+      <p:sp>
+        <p:nvSpPr>
+          <p:cNvPr id="47" name="Rectangle 39"/>
+          <p:cNvSpPr>
+            <a:spLocks noChangeArrowheads="1"/>
+          </p:cNvSpPr>
+          <p:nvPr/>
+        </p:nvSpPr>
+        <p:spPr bwMode="auto">
+          <a:xfrm>
+            <a:off x="416159" y="278281"/>
+            <a:ext cx="2778059" cy="307872"/>
+          </a:xfrm>
+          <a:prstGeom prst="rect">
+            <a:avLst/>
+          </a:prstGeom>
+          <a:noFill/>
+          <a:ln>
+            <a:noFill/>
+          </a:ln>
+          <a:extLst>
+            <a:ext uri="{909E8E84-426E-40DD-AFC4-6F175D3DCCD1}">
+              <a14:hiddenFill xmlns:a14="http://schemas.microsoft.com/office/drawing/2010/main">
+                <a:solidFill>
+                  <a:srgbClr val="FFFFFF"/>
+                </a:solidFill>
+              </a14:hiddenFill>
+            </a:ext>
+            <a:ext uri="{91240B29-F687-4F45-9708-019B960494DF}">
+              <a14:hiddenLine xmlns:a14="http://schemas.microsoft.com/office/drawing/2010/main" w="9525">
+                <a:solidFill>
+                  <a:srgbClr val="000000"/>
+                </a:solidFill>
+                <a:miter lim="800000"/>
+                <a:headEnd/>
+                <a:tailEnd/>
+              </a14:hiddenLine>
+            </a:ext>
+          </a:extLst>
+        </p:spPr>
+        <p:txBody>
+          <a:bodyPr wrap="square" lIns="0" tIns="0" rIns="0" bIns="0">
+            <a:spAutoFit/>
+          </a:bodyPr>
+          <a:lstStyle/>
+          <a:p>
+            <a:pPr>
+              <a:buFont typeface="Arial" pitchFamily="34" charset="0"/>
+              <a:buNone/>
+            </a:pPr>
+            <a:r>
+              <a:rPr lang="en-US" altLang="zh-CN" sz="2000" dirty="0" err="1">
+                <a:solidFill>
+                  <a:schemeClr val="accent1"/>
+                </a:solidFill>
+                <a:latin typeface="微软雅黑" pitchFamily="34" charset="-122"/>
+                <a:ea typeface="微软雅黑" pitchFamily="34" charset="-122"/>
+              </a:rPr>
+              <a:t>SpringMVC</a:t>
+            </a:r>
+            <a:r>
+              <a:rPr lang="zh-CN" altLang="en-US" sz="2000" dirty="0">
+                <a:solidFill>
+                  <a:schemeClr val="accent1"/>
+                </a:solidFill>
+                <a:latin typeface="微软雅黑" pitchFamily="34" charset="-122"/>
+                <a:ea typeface="微软雅黑" pitchFamily="34" charset="-122"/>
+              </a:rPr>
+              <a:t>底层原理</a:t>
+            </a:r>
+            <a:endParaRPr lang="en-US" altLang="zh-CN" sz="2000" dirty="0">
+              <a:solidFill>
+                <a:schemeClr val="accent1"/>
+              </a:solidFill>
+              <a:latin typeface="微软雅黑" pitchFamily="34" charset="-122"/>
+              <a:ea typeface="微软雅黑" pitchFamily="34" charset="-122"/>
+            </a:endParaRPr>
+          </a:p>
+        </p:txBody>
+      </p:sp>
+      <p:grpSp>
+        <p:nvGrpSpPr>
+          <p:cNvPr id="48" name="组合 47"/>
+          <p:cNvGrpSpPr/>
+          <p:nvPr/>
+        </p:nvGrpSpPr>
+        <p:grpSpPr>
+          <a:xfrm>
+            <a:off x="416158" y="699542"/>
+            <a:ext cx="899592" cy="56017"/>
+            <a:chOff x="0" y="2842590"/>
+            <a:chExt cx="7054752" cy="89199"/>
+          </a:xfrm>
+        </p:grpSpPr>
+        <p:sp>
+          <p:nvSpPr>
+            <p:cNvPr id="49" name="矩形 48"/>
+            <p:cNvSpPr/>
+            <p:nvPr/>
+          </p:nvSpPr>
+          <p:spPr>
+            <a:xfrm>
+              <a:off x="0" y="2842590"/>
+              <a:ext cx="1763688" cy="89199"/>
+            </a:xfrm>
+            <a:prstGeom prst="rect">
+              <a:avLst/>
+            </a:prstGeom>
+            <a:solidFill>
+              <a:schemeClr val="accent1"/>
+            </a:solidFill>
+            <a:ln>
+              <a:noFill/>
+            </a:ln>
+          </p:spPr>
+          <p:style>
+            <a:lnRef idx="2">
+              <a:schemeClr val="accent1">
+                <a:shade val="50000"/>
+              </a:schemeClr>
+            </a:lnRef>
+            <a:fillRef idx="1">
+              <a:schemeClr val="accent1"/>
+            </a:fillRef>
+            <a:effectRef idx="0">
+              <a:schemeClr val="accent1"/>
+            </a:effectRef>
+            <a:fontRef idx="minor">
+              <a:schemeClr val="lt1"/>
+            </a:fontRef>
+          </p:style>
+          <p:txBody>
+            <a:bodyPr rtlCol="0" anchor="ctr"/>
+            <a:lstStyle/>
+            <a:p>
+              <a:pPr algn="ctr"/>
+              <a:endParaRPr lang="zh-CN" altLang="en-US"/>
+            </a:p>
+          </p:txBody>
+        </p:sp>
+        <p:sp>
+          <p:nvSpPr>
+            <p:cNvPr id="50" name="矩形 49"/>
+            <p:cNvSpPr/>
+            <p:nvPr/>
+          </p:nvSpPr>
+          <p:spPr>
+            <a:xfrm>
+              <a:off x="1763688" y="2842590"/>
+              <a:ext cx="1763688" cy="89199"/>
+            </a:xfrm>
+            <a:prstGeom prst="rect">
+              <a:avLst/>
+            </a:prstGeom>
+            <a:solidFill>
+              <a:schemeClr val="accent2"/>
+            </a:solidFill>
+            <a:ln>
+              <a:noFill/>
+            </a:ln>
+          </p:spPr>
+          <p:style>
+            <a:lnRef idx="2">
+              <a:schemeClr val="accent1">
+                <a:shade val="50000"/>
+              </a:schemeClr>
+            </a:lnRef>
+            <a:fillRef idx="1">
+              <a:schemeClr val="accent1"/>
+            </a:fillRef>
+            <a:effectRef idx="0">
+              <a:schemeClr val="accent1"/>
+            </a:effectRef>
+            <a:fontRef idx="minor">
+              <a:schemeClr val="lt1"/>
+            </a:fontRef>
+          </p:style>
+          <p:txBody>
+            <a:bodyPr rtlCol="0" anchor="ctr"/>
+            <a:lstStyle/>
+            <a:p>
+              <a:pPr algn="ctr"/>
+              <a:endParaRPr lang="zh-CN" altLang="en-US"/>
+            </a:p>
+          </p:txBody>
+        </p:sp>
+        <p:sp>
+          <p:nvSpPr>
+            <p:cNvPr id="51" name="矩形 50"/>
+            <p:cNvSpPr/>
+            <p:nvPr/>
+          </p:nvSpPr>
+          <p:spPr>
+            <a:xfrm>
+              <a:off x="3527376" y="2842590"/>
+              <a:ext cx="1763688" cy="89199"/>
+            </a:xfrm>
+            <a:prstGeom prst="rect">
+              <a:avLst/>
+            </a:prstGeom>
+            <a:solidFill>
+              <a:schemeClr val="accent3"/>
+            </a:solidFill>
+            <a:ln>
+              <a:noFill/>
+            </a:ln>
+          </p:spPr>
+          <p:style>
+            <a:lnRef idx="2">
+              <a:schemeClr val="accent1">
+                <a:shade val="50000"/>
+              </a:schemeClr>
+            </a:lnRef>
+            <a:fillRef idx="1">
+              <a:schemeClr val="accent1"/>
+            </a:fillRef>
+            <a:effectRef idx="0">
+              <a:schemeClr val="accent1"/>
+            </a:effectRef>
+            <a:fontRef idx="minor">
+              <a:schemeClr val="lt1"/>
+            </a:fontRef>
+          </p:style>
+          <p:txBody>
+            <a:bodyPr rtlCol="0" anchor="ctr"/>
+            <a:lstStyle/>
+            <a:p>
+              <a:pPr algn="ctr"/>
+              <a:endParaRPr lang="zh-CN" altLang="en-US"/>
+            </a:p>
+          </p:txBody>
+        </p:sp>
+        <p:sp>
+          <p:nvSpPr>
+            <p:cNvPr id="52" name="矩形 51"/>
+            <p:cNvSpPr/>
+            <p:nvPr/>
+          </p:nvSpPr>
+          <p:spPr>
+            <a:xfrm>
+              <a:off x="5291064" y="2842590"/>
+              <a:ext cx="1763688" cy="89199"/>
+            </a:xfrm>
+            <a:prstGeom prst="rect">
+              <a:avLst/>
+            </a:prstGeom>
+            <a:solidFill>
+              <a:schemeClr val="accent4"/>
+            </a:solidFill>
+            <a:ln>
+              <a:noFill/>
+            </a:ln>
+          </p:spPr>
+          <p:style>
+            <a:lnRef idx="2">
+              <a:schemeClr val="accent1">
+                <a:shade val="50000"/>
+              </a:schemeClr>
+            </a:lnRef>
+            <a:fillRef idx="1">
+              <a:schemeClr val="accent1"/>
+            </a:fillRef>
+            <a:effectRef idx="0">
+              <a:schemeClr val="accent1"/>
+            </a:effectRef>
+            <a:fontRef idx="minor">
+              <a:schemeClr val="lt1"/>
+            </a:fontRef>
+          </p:style>
+          <p:txBody>
+            <a:bodyPr rtlCol="0" anchor="ctr"/>
+            <a:lstStyle/>
+            <a:p>
+              <a:pPr algn="ctr"/>
+              <a:endParaRPr lang="zh-CN" altLang="en-US"/>
+            </a:p>
+          </p:txBody>
+        </p:sp>
+      </p:grpSp>
+      <p:pic>
+        <p:nvPicPr>
+          <p:cNvPr id="4102" name="Picture 6">
+            <a:extLst>
+              <a:ext uri="{FF2B5EF4-FFF2-40B4-BE49-F238E27FC236}">
+                <a16:creationId xmlns:a16="http://schemas.microsoft.com/office/drawing/2014/main" id="{C58E29C3-0182-486F-8A01-91AA252C64D3}"/>
+              </a:ext>
+            </a:extLst>
+          </p:cNvPr>
+          <p:cNvPicPr>
+            <a:picLocks noChangeAspect="1" noChangeArrowheads="1"/>
+          </p:cNvPicPr>
+          <p:nvPr/>
+        </p:nvPicPr>
+        <p:blipFill>
+          <a:blip r:embed="rId3" cstate="print">
+            <a:extLst>
+              <a:ext uri="{28A0092B-C50C-407E-A947-70E740481C1C}">
+                <a14:useLocalDpi xmlns:a14="http://schemas.microsoft.com/office/drawing/2010/main" val="0"/>
+              </a:ext>
+            </a:extLst>
+          </a:blip>
+          <a:srcRect/>
+          <a:stretch>
+            <a:fillRect/>
+          </a:stretch>
+        </p:blipFill>
+        <p:spPr bwMode="auto">
+          <a:xfrm>
+            <a:off x="1222907" y="692107"/>
+            <a:ext cx="6497111" cy="4451393"/>
+          </a:xfrm>
+          <a:prstGeom prst="rect">
+            <a:avLst/>
+          </a:prstGeom>
+          <a:noFill/>
+          <a:extLst>
+            <a:ext uri="{909E8E84-426E-40DD-AFC4-6F175D3DCCD1}">
+              <a14:hiddenFill xmlns:a14="http://schemas.microsoft.com/office/drawing/2010/main">
+                <a:solidFill>
+                  <a:srgbClr val="FFFFFF"/>
+                </a:solidFill>
+              </a14:hiddenFill>
+            </a:ext>
+          </a:extLst>
+        </p:spPr>
+      </p:pic>
+    </p:spTree>
+    <p:extLst>
+      <p:ext uri="{BB962C8B-B14F-4D97-AF65-F5344CB8AC3E}">
+        <p14:creationId xmlns:p14="http://schemas.microsoft.com/office/powerpoint/2010/main" val="3410446550"/>
       </p:ext>
     </p:extLst>
   </p:cSld>
